--- a/Segunda Entrega/apresentacao_2a_entrega.pptx
+++ b/Segunda Entrega/apresentacao_2a_entrega.pptx
@@ -7,11 +7,12 @@
   <p:sldIdLst>
     <p:sldId id="256" r:id="rId2"/>
     <p:sldId id="257" r:id="rId3"/>
-    <p:sldId id="261" r:id="rId4"/>
+    <p:sldId id="260" r:id="rId4"/>
     <p:sldId id="259" r:id="rId5"/>
-    <p:sldId id="260" r:id="rId6"/>
-    <p:sldId id="262" r:id="rId7"/>
-    <p:sldId id="258" r:id="rId8"/>
+    <p:sldId id="264" r:id="rId6"/>
+    <p:sldId id="265" r:id="rId7"/>
+    <p:sldId id="262" r:id="rId8"/>
+    <p:sldId id="258" r:id="rId9"/>
   </p:sldIdLst>
   <p:sldSz cx="12192000" cy="6858000"/>
   <p:notesSz cx="6858000" cy="9144000"/>
@@ -808,7 +809,7 @@
             <a:fld id="{D200B3F0-A9BC-48CE-8EB6-ECE965069900}" type="datetimeFigureOut">
               <a:rPr lang="en-US" dirty="0"/>
               <a:pPr/>
-              <a:t>11/19/2018</a:t>
+              <a:t>11/21/2018</a:t>
             </a:fld>
             <a:endParaRPr lang="en-US" dirty="0"/>
           </a:p>
@@ -1969,7 +1970,7 @@
           <a:p>
             <a:fld id="{3DF9FFFF-3106-4DDB-AA62-0C80862170D6}" type="datetimeFigureOut">
               <a:rPr lang="en-US" dirty="0"/>
-              <a:t>11/19/2018</a:t>
+              <a:t>11/21/2018</a:t>
             </a:fld>
             <a:endParaRPr lang="en-US" dirty="0"/>
           </a:p>
@@ -3023,7 +3024,7 @@
           <a:p>
             <a:fld id="{A3DA38B7-AE95-4DC8-9A51-7A71F545B098}" type="datetimeFigureOut">
               <a:rPr lang="en-US" dirty="0"/>
-              <a:t>11/19/2018</a:t>
+              <a:t>11/21/2018</a:t>
             </a:fld>
             <a:endParaRPr lang="en-US" dirty="0"/>
           </a:p>
@@ -4236,7 +4237,7 @@
           <a:p>
             <a:fld id="{86F1EC2B-8188-4AC2-9F0D-8D09C51D505A}" type="datetimeFigureOut">
               <a:rPr lang="en-US" dirty="0"/>
-              <a:t>11/19/2018</a:t>
+              <a:t>11/21/2018</a:t>
             </a:fld>
             <a:endParaRPr lang="en-US" dirty="0"/>
           </a:p>
@@ -5340,7 +5341,7 @@
           <a:p>
             <a:fld id="{9212B75E-944F-430B-BE5F-C69FA8823C04}" type="datetimeFigureOut">
               <a:rPr lang="en-US" dirty="0"/>
-              <a:t>11/19/2018</a:t>
+              <a:t>11/21/2018</a:t>
             </a:fld>
             <a:endParaRPr lang="en-US" dirty="0"/>
           </a:p>
@@ -5992,7 +5993,7 @@
           <a:p>
             <a:fld id="{79AE0DC7-7F53-471C-A711-B3DA6F2535F3}" type="datetimeFigureOut">
               <a:rPr lang="en-US" dirty="0"/>
-              <a:t>11/19/2018</a:t>
+              <a:t>11/21/2018</a:t>
             </a:fld>
             <a:endParaRPr lang="en-US" dirty="0"/>
           </a:p>
@@ -6839,7 +6840,7 @@
           <a:p>
             <a:fld id="{3C1F4C9D-4618-451D-80C1-6A376BB42AB4}" type="datetimeFigureOut">
               <a:rPr lang="en-US" dirty="0"/>
-              <a:t>11/19/2018</a:t>
+              <a:t>11/21/2018</a:t>
             </a:fld>
             <a:endParaRPr lang="en-US" dirty="0"/>
           </a:p>
@@ -7024,7 +7025,7 @@
           <a:p>
             <a:fld id="{F54D2318-CE40-42F6-962A-4C6D6CF697DB}" type="datetimeFigureOut">
               <a:rPr lang="en-US" dirty="0"/>
-              <a:t>11/19/2018</a:t>
+              <a:t>11/21/2018</a:t>
             </a:fld>
             <a:endParaRPr lang="en-US" dirty="0"/>
           </a:p>
@@ -8065,7 +8066,7 @@
           <a:p>
             <a:fld id="{0C476AC1-EB7F-4BEF-90D9-5764B50DAF8A}" type="datetimeFigureOut">
               <a:rPr lang="en-US" dirty="0"/>
-              <a:t>11/19/2018</a:t>
+              <a:t>11/21/2018</a:t>
             </a:fld>
             <a:endParaRPr lang="en-US" dirty="0"/>
           </a:p>
@@ -8281,7 +8282,7 @@
           <a:p>
             <a:fld id="{1B20712A-F861-4AB0-A754-4F5A2033CD4B}" type="datetimeFigureOut">
               <a:rPr lang="en-US" dirty="0"/>
-              <a:t>11/19/2018</a:t>
+              <a:t>11/21/2018</a:t>
             </a:fld>
             <a:endParaRPr lang="en-US" dirty="0"/>
           </a:p>
@@ -9386,7 +9387,7 @@
           <a:p>
             <a:fld id="{324507B7-F2DC-4B2C-B14D-58A9766807A2}" type="datetimeFigureOut">
               <a:rPr lang="en-US" dirty="0"/>
-              <a:t>11/19/2018</a:t>
+              <a:t>11/21/2018</a:t>
             </a:fld>
             <a:endParaRPr lang="en-US" dirty="0"/>
           </a:p>
@@ -9658,7 +9659,7 @@
           <a:p>
             <a:fld id="{904A483D-5CB4-4842-8F2F-05D5276ACF63}" type="datetimeFigureOut">
               <a:rPr lang="en-US" dirty="0"/>
-              <a:t>11/19/2018</a:t>
+              <a:t>11/21/2018</a:t>
             </a:fld>
             <a:endParaRPr lang="en-US" dirty="0"/>
           </a:p>
@@ -10040,7 +10041,7 @@
           <a:p>
             <a:fld id="{1D1CE32E-9DC0-47C8-A657-48F5C3E4A10B}" type="datetimeFigureOut">
               <a:rPr lang="en-US" dirty="0"/>
-              <a:t>11/19/2018</a:t>
+              <a:t>11/21/2018</a:t>
             </a:fld>
             <a:endParaRPr lang="en-US" dirty="0"/>
           </a:p>
@@ -10158,7 +10159,7 @@
           <a:p>
             <a:fld id="{2BDF5C0D-8C3A-4771-A43D-83937FC700D4}" type="datetimeFigureOut">
               <a:rPr lang="en-US" dirty="0"/>
-              <a:t>11/19/2018</a:t>
+              <a:t>11/21/2018</a:t>
             </a:fld>
             <a:endParaRPr lang="en-US" dirty="0"/>
           </a:p>
@@ -10253,7 +10254,7 @@
           <a:p>
             <a:fld id="{0203D2D6-FCC2-425A-A4A7-8058E8C01CB1}" type="datetimeFigureOut">
               <a:rPr lang="en-US" dirty="0"/>
-              <a:t>11/19/2018</a:t>
+              <a:t>11/21/2018</a:t>
             </a:fld>
             <a:endParaRPr lang="en-US" dirty="0"/>
           </a:p>
@@ -11405,7 +11406,7 @@
           <a:p>
             <a:fld id="{D8CF2683-E6E7-4CC3-9EEE-7854DD4F3545}" type="datetimeFigureOut">
               <a:rPr lang="en-US" dirty="0"/>
-              <a:t>11/19/2018</a:t>
+              <a:t>11/21/2018</a:t>
             </a:fld>
             <a:endParaRPr lang="en-US" dirty="0"/>
           </a:p>
@@ -12581,7 +12582,7 @@
           <a:p>
             <a:fld id="{7E120F81-B39D-4CBB-8BF3-5D6E395D0F72}" type="datetimeFigureOut">
               <a:rPr lang="en-US" dirty="0"/>
-              <a:t>11/19/2018</a:t>
+              <a:t>11/21/2018</a:t>
             </a:fld>
             <a:endParaRPr lang="en-US" dirty="0"/>
           </a:p>
@@ -13691,7 +13692,7 @@
           <a:p>
             <a:fld id="{564B320A-89BA-47B2-A525-92E8D10B06E4}" type="datetimeFigureOut">
               <a:rPr lang="en-US" dirty="0"/>
-              <a:t>11/19/2018</a:t>
+              <a:t>11/21/2018</a:t>
             </a:fld>
             <a:endParaRPr lang="en-US" dirty="0"/>
           </a:p>
@@ -14391,68 +14392,128 @@
       </p:grpSpPr>
       <p:sp>
         <p:nvSpPr>
-          <p:cNvPr id="5" name="TextBox 4"/>
-          <p:cNvSpPr txBox="1"/>
-          <p:nvPr/>
+          <p:cNvPr id="4" name="Title 3"/>
+          <p:cNvSpPr>
+            <a:spLocks noGrp="1"/>
+          </p:cNvSpPr>
+          <p:nvPr>
+            <p:ph type="title"/>
+          </p:nvPr>
+        </p:nvSpPr>
+        <p:spPr/>
+        <p:txBody>
+          <a:bodyPr/>
+          <a:lstStyle/>
+          <a:p>
+            <a:r>
+              <a:rPr lang="pt-BR" dirty="0" smtClean="0"/>
+              <a:t>Serviços Utilizados</a:t>
+            </a:r>
+            <a:endParaRPr lang="en-US" dirty="0"/>
+          </a:p>
+        </p:txBody>
+      </p:sp>
+      <p:sp>
+        <p:nvSpPr>
+          <p:cNvPr id="2" name="Content Placeholder 1"/>
+          <p:cNvSpPr>
+            <a:spLocks noGrp="1"/>
+          </p:cNvSpPr>
+          <p:nvPr>
+            <p:ph idx="1"/>
+          </p:nvPr>
         </p:nvSpPr>
         <p:spPr>
           <a:xfrm>
-            <a:off x="483326" y="470261"/>
-            <a:ext cx="6805749" cy="584775"/>
+            <a:off x="1154953" y="2773318"/>
+            <a:ext cx="8761413" cy="3416300"/>
           </a:xfrm>
-          <a:prstGeom prst="rect">
-            <a:avLst/>
-          </a:prstGeom>
-          <a:noFill/>
         </p:spPr>
         <p:txBody>
-          <a:bodyPr wrap="square" rtlCol="0">
-            <a:spAutoFit/>
+          <a:bodyPr>
+            <a:normAutofit fontScale="85000" lnSpcReduction="20000"/>
           </a:bodyPr>
           <a:lstStyle/>
           <a:p>
             <a:r>
-              <a:rPr lang="pt-BR" sz="3200" dirty="0" smtClean="0"/>
-              <a:t>Desenho da Arquitetura</a:t>
-            </a:r>
-            <a:endParaRPr lang="en-US" sz="3200" dirty="0"/>
+              <a:rPr lang="pt-BR" sz="2000" u="sng" dirty="0" smtClean="0"/>
+              <a:t>Amazon EC2</a:t>
+            </a:r>
+          </a:p>
+          <a:p>
+            <a:r>
+              <a:rPr lang="pt-BR" sz="2000" u="sng" dirty="0" smtClean="0"/>
+              <a:t>AWS Application Load Balancer</a:t>
+            </a:r>
+          </a:p>
+          <a:p>
+            <a:r>
+              <a:rPr lang="pt-BR" sz="2000" u="sng" dirty="0" smtClean="0"/>
+              <a:t>AWS </a:t>
+            </a:r>
+            <a:r>
+              <a:rPr lang="pt-BR" sz="2000" u="sng" dirty="0" smtClean="0"/>
+              <a:t>Auto Scaling </a:t>
+            </a:r>
+            <a:endParaRPr lang="pt-BR" sz="2000" u="sng" dirty="0" smtClean="0"/>
+          </a:p>
+          <a:p>
+            <a:r>
+              <a:rPr lang="pt-BR" sz="2000" u="sng" dirty="0" smtClean="0"/>
+              <a:t>Amazon Cloudwatch</a:t>
+            </a:r>
+          </a:p>
+          <a:p>
+            <a:r>
+              <a:rPr lang="pt-BR" sz="2000" u="sng" dirty="0" smtClean="0"/>
+              <a:t>AWS Systems Manager</a:t>
+            </a:r>
+          </a:p>
+          <a:p>
+            <a:r>
+              <a:rPr lang="pt-BR" sz="2000" u="sng" dirty="0" smtClean="0"/>
+              <a:t>Amazon Route53</a:t>
+            </a:r>
+          </a:p>
+          <a:p>
+            <a:r>
+              <a:rPr lang="pt-BR" sz="2000" u="sng" dirty="0" smtClean="0"/>
+              <a:t>AWS Certificate Manager</a:t>
+            </a:r>
+          </a:p>
+          <a:p>
+            <a:r>
+              <a:rPr lang="pt-BR" sz="2000" u="sng" dirty="0" smtClean="0"/>
+              <a:t>Amazon VPC</a:t>
+            </a:r>
+          </a:p>
+          <a:p>
+            <a:r>
+              <a:rPr lang="pt-BR" sz="2000" u="sng" dirty="0" smtClean="0"/>
+              <a:t>AWS IAM</a:t>
+            </a:r>
+          </a:p>
+          <a:p>
+            <a:r>
+              <a:rPr lang="pt-BR" sz="2000" u="sng" dirty="0" smtClean="0"/>
+              <a:t>AWS NAT Gateway</a:t>
+            </a:r>
+          </a:p>
+          <a:p>
+            <a:endParaRPr lang="pt-BR" sz="2000" dirty="0" smtClean="0"/>
+          </a:p>
+          <a:p>
+            <a:endParaRPr lang="pt-BR" sz="2000" dirty="0" smtClean="0"/>
+          </a:p>
+          <a:p>
+            <a:endParaRPr lang="pt-BR" sz="2000" dirty="0" smtClean="0"/>
           </a:p>
         </p:txBody>
       </p:sp>
-      <p:pic>
-        <p:nvPicPr>
-          <p:cNvPr id="3" name="Picture 2"/>
-          <p:cNvPicPr>
-            <a:picLocks noChangeAspect="1"/>
-          </p:cNvPicPr>
-          <p:nvPr/>
-        </p:nvPicPr>
-        <p:blipFill>
-          <a:blip r:embed="rId2">
-            <a:extLst>
-              <a:ext uri="{28A0092B-C50C-407E-A947-70E740481C1C}">
-                <a14:useLocalDpi xmlns:a14="http://schemas.microsoft.com/office/drawing/2010/main" val="0"/>
-              </a:ext>
-            </a:extLst>
-          </a:blip>
-          <a:stretch>
-            <a:fillRect/>
-          </a:stretch>
-        </p:blipFill>
-        <p:spPr>
-          <a:xfrm>
-            <a:off x="1906252" y="1371600"/>
-            <a:ext cx="7603508" cy="5273186"/>
-          </a:xfrm>
-          <a:prstGeom prst="rect">
-            <a:avLst/>
-          </a:prstGeom>
-        </p:spPr>
-      </p:pic>
     </p:spTree>
     <p:extLst>
       <p:ext uri="{BB962C8B-B14F-4D97-AF65-F5344CB8AC3E}">
-        <p14:creationId xmlns:p14="http://schemas.microsoft.com/office/powerpoint/2010/main" val="3719215681"/>
+        <p14:creationId xmlns:p14="http://schemas.microsoft.com/office/powerpoint/2010/main" val="1970694973"/>
       </p:ext>
     </p:extLst>
   </p:cSld>
@@ -14496,7 +14557,7 @@
           <a:p>
             <a:r>
               <a:rPr lang="pt-BR" dirty="0" smtClean="0"/>
-              <a:t>Propostas</a:t>
+              <a:t>Vantagens do HTTPS</a:t>
             </a:r>
             <a:endParaRPr lang="en-US" dirty="0"/>
           </a:p>
@@ -14524,19 +14585,21 @@
           <a:p>
             <a:r>
               <a:rPr lang="pt-BR" sz="2000" dirty="0" smtClean="0"/>
-              <a:t>Apresentar uma forma de conexão segura via HTTPS</a:t>
-            </a:r>
+              <a:t>Informações pessoais dos clientes em trânsito, como dados de cartão de crédito e CPF, são criptografadas </a:t>
+            </a:r>
+            <a:endParaRPr lang="pt-BR" sz="2000" dirty="0" smtClean="0"/>
           </a:p>
           <a:p>
             <a:r>
               <a:rPr lang="pt-BR" sz="2000" dirty="0" smtClean="0"/>
-              <a:t>Arquitetura desenhada para duas possíveis regiões: São Paulo e North Virginia</a:t>
-            </a:r>
-          </a:p>
-          <a:p>
-            <a:endParaRPr lang="pt-BR" sz="2000" dirty="0" smtClean="0"/>
-          </a:p>
-          <a:p>
+              <a:t>Usuários conseguem verificar que se trata de um domínio de uma empresa registrada</a:t>
+            </a:r>
+          </a:p>
+          <a:p>
+            <a:r>
+              <a:rPr lang="pt-BR" sz="2000" dirty="0" smtClean="0"/>
+              <a:t>Clientes tendem a confiar mais em sites que utilizam HTTPS para realizar suas compras</a:t>
+            </a:r>
             <a:endParaRPr lang="en-US" dirty="0"/>
           </a:p>
         </p:txBody>
@@ -14588,7 +14651,7 @@
           <a:p>
             <a:r>
               <a:rPr lang="pt-BR" dirty="0" smtClean="0"/>
-              <a:t>Serviços Utilizados</a:t>
+              <a:t>Vias de Acesso às Instâncias EC2</a:t>
             </a:r>
             <a:endParaRPr lang="en-US" dirty="0"/>
           </a:p>
@@ -14606,90 +14669,53 @@
         </p:nvSpPr>
         <p:spPr>
           <a:xfrm>
-            <a:off x="1154953" y="2773318"/>
+            <a:off x="1154954" y="3191328"/>
             <a:ext cx="8761413" cy="3416300"/>
           </a:xfrm>
         </p:spPr>
         <p:txBody>
-          <a:bodyPr>
-            <a:normAutofit fontScale="85000" lnSpcReduction="20000"/>
-          </a:bodyPr>
+          <a:bodyPr/>
           <a:lstStyle/>
           <a:p>
             <a:r>
-              <a:rPr lang="pt-BR" sz="2000" u="sng" dirty="0" smtClean="0"/>
-              <a:t>Amazon EC2</a:t>
-            </a:r>
-          </a:p>
-          <a:p>
-            <a:r>
-              <a:rPr lang="pt-BR" sz="2000" u="sng" dirty="0" smtClean="0"/>
-              <a:t>AWS Application Load Balancer</a:t>
-            </a:r>
-          </a:p>
-          <a:p>
-            <a:r>
-              <a:rPr lang="pt-BR" sz="2000" u="sng" dirty="0" smtClean="0"/>
-              <a:t>AWS AutoScaling </a:t>
-            </a:r>
-          </a:p>
-          <a:p>
-            <a:r>
-              <a:rPr lang="pt-BR" sz="2000" u="sng" dirty="0" smtClean="0"/>
-              <a:t>Amazon Cloudwatch</a:t>
-            </a:r>
-          </a:p>
-          <a:p>
-            <a:r>
-              <a:rPr lang="pt-BR" sz="2000" u="sng" dirty="0" smtClean="0"/>
-              <a:t>AWS Systems Manager</a:t>
-            </a:r>
-          </a:p>
-          <a:p>
-            <a:r>
-              <a:rPr lang="pt-BR" sz="2000" u="sng" dirty="0" smtClean="0"/>
-              <a:t>Amazon Route53</a:t>
-            </a:r>
-          </a:p>
-          <a:p>
-            <a:r>
-              <a:rPr lang="pt-BR" sz="2000" u="sng" dirty="0" smtClean="0"/>
-              <a:t>AWS Certificate Manager</a:t>
-            </a:r>
-          </a:p>
-          <a:p>
-            <a:r>
-              <a:rPr lang="pt-BR" sz="2000" u="sng" dirty="0" smtClean="0"/>
-              <a:t>Amazon VPC</a:t>
-            </a:r>
-          </a:p>
-          <a:p>
-            <a:r>
-              <a:rPr lang="pt-BR" sz="2000" u="sng" dirty="0" smtClean="0"/>
-              <a:t>AWS IAM</a:t>
-            </a:r>
-          </a:p>
-          <a:p>
-            <a:r>
-              <a:rPr lang="pt-BR" sz="2000" u="sng" dirty="0" smtClean="0"/>
-              <a:t>AWS NAT Gateway</a:t>
-            </a:r>
-          </a:p>
-          <a:p>
-            <a:endParaRPr lang="pt-BR" sz="2000" dirty="0" smtClean="0"/>
-          </a:p>
-          <a:p>
-            <a:endParaRPr lang="pt-BR" sz="2000" dirty="0" smtClean="0"/>
-          </a:p>
-          <a:p>
-            <a:endParaRPr lang="pt-BR" sz="2000" dirty="0" smtClean="0"/>
+              <a:rPr lang="pt-BR" sz="2000" dirty="0" smtClean="0"/>
+              <a:t>Pelo Application Load Balancer, que redireciona requisições HTTP às instâncias </a:t>
+            </a:r>
+          </a:p>
+          <a:p>
+            <a:r>
+              <a:rPr lang="pt-BR" sz="2000" dirty="0" smtClean="0"/>
+              <a:t>Via console, pelo serviço Systems Manager, que permite a interação com suas instâncias por linha de comando </a:t>
+            </a:r>
+          </a:p>
+          <a:p>
+            <a:pPr lvl="1"/>
+            <a:r>
+              <a:rPr lang="pt-BR" sz="1800" dirty="0" smtClean="0"/>
+              <a:t>Vantagens</a:t>
+            </a:r>
+          </a:p>
+          <a:p>
+            <a:pPr lvl="2"/>
+            <a:r>
+              <a:rPr lang="pt-BR" sz="1600" dirty="0" smtClean="0"/>
+              <a:t>Não é necessária a utilização de chaves </a:t>
+            </a:r>
+          </a:p>
+          <a:p>
+            <a:pPr lvl="2"/>
+            <a:r>
+              <a:rPr lang="pt-BR" sz="1600" dirty="0" smtClean="0"/>
+              <a:t>Para acesso, é necessário estar logado no console e possuir permissões para utilizar esse serviço</a:t>
+            </a:r>
+            <a:endParaRPr lang="pt-BR" sz="1600" dirty="0" smtClean="0"/>
           </a:p>
         </p:txBody>
       </p:sp>
     </p:spTree>
     <p:extLst>
       <p:ext uri="{BB962C8B-B14F-4D97-AF65-F5344CB8AC3E}">
-        <p14:creationId xmlns:p14="http://schemas.microsoft.com/office/powerpoint/2010/main" val="1970694973"/>
+        <p14:creationId xmlns:p14="http://schemas.microsoft.com/office/powerpoint/2010/main" val="1819776179"/>
       </p:ext>
     </p:extLst>
   </p:cSld>
@@ -14733,7 +14759,7 @@
           <a:p>
             <a:r>
               <a:rPr lang="pt-BR" dirty="0" smtClean="0"/>
-              <a:t>Orçamento</a:t>
+              <a:t>Testes de Carga</a:t>
             </a:r>
             <a:endParaRPr lang="en-US" dirty="0"/>
           </a:p>
@@ -14751,39 +14777,197 @@
         </p:nvSpPr>
         <p:spPr>
           <a:xfrm>
-            <a:off x="1154954" y="3191328"/>
+            <a:off x="1154954" y="3031013"/>
             <a:ext cx="8761413" cy="3416300"/>
           </a:xfrm>
         </p:spPr>
         <p:txBody>
+          <a:bodyPr>
+            <a:normAutofit/>
+          </a:bodyPr>
+          <a:lstStyle/>
+          <a:p>
+            <a:r>
+              <a:rPr lang="pt-BR" sz="2000" dirty="0" smtClean="0"/>
+              <a:t>Latência </a:t>
+            </a:r>
+          </a:p>
+          <a:p>
+            <a:pPr lvl="1"/>
+            <a:r>
+              <a:rPr lang="pt-BR" sz="1800" dirty="0"/>
+              <a:t>North Virginia: 2,49 s</a:t>
+            </a:r>
+          </a:p>
+          <a:p>
+            <a:pPr lvl="1"/>
+            <a:r>
+              <a:rPr lang="pt-BR" sz="1800" dirty="0"/>
+              <a:t>São Paulo: 3 </a:t>
+            </a:r>
+            <a:r>
+              <a:rPr lang="pt-BR" sz="1800" dirty="0" smtClean="0"/>
+              <a:t>s</a:t>
+            </a:r>
+            <a:endParaRPr lang="pt-BR" sz="2000" dirty="0" smtClean="0"/>
+          </a:p>
+          <a:p>
+            <a:r>
+              <a:rPr lang="pt-BR" sz="2000" dirty="0" smtClean="0"/>
+              <a:t>Ação Programada para o Auto Scaling:</a:t>
+            </a:r>
+          </a:p>
+          <a:p>
+            <a:pPr lvl="1"/>
+            <a:r>
+              <a:rPr lang="pt-BR" sz="1800" dirty="0" smtClean="0"/>
+              <a:t>Entre 23:45 do dia 22/11/2018 e 00:15 do dia 24/11/2018</a:t>
+            </a:r>
+          </a:p>
+          <a:p>
+            <a:pPr lvl="1"/>
+            <a:r>
+              <a:rPr lang="pt-BR" sz="1800" dirty="0" smtClean="0"/>
+              <a:t>Quantidade mínima de instâncias: 4</a:t>
+            </a:r>
+          </a:p>
+          <a:p>
+            <a:pPr lvl="1"/>
+            <a:r>
+              <a:rPr lang="pt-BR" sz="1800" dirty="0" smtClean="0"/>
+              <a:t>Quantidade máxima de instâncias: 10</a:t>
+            </a:r>
+            <a:endParaRPr lang="pt-BR" sz="1800" dirty="0" smtClean="0"/>
+          </a:p>
+          <a:p>
+            <a:endParaRPr lang="pt-BR" sz="2000" dirty="0" smtClean="0"/>
+          </a:p>
+          <a:p>
+            <a:endParaRPr lang="pt-BR" sz="2000" dirty="0" smtClean="0"/>
+          </a:p>
+        </p:txBody>
+      </p:sp>
+    </p:spTree>
+    <p:extLst>
+      <p:ext uri="{BB962C8B-B14F-4D97-AF65-F5344CB8AC3E}">
+        <p14:creationId xmlns:p14="http://schemas.microsoft.com/office/powerpoint/2010/main" val="3949273967"/>
+      </p:ext>
+    </p:extLst>
+  </p:cSld>
+  <p:clrMapOvr>
+    <a:masterClrMapping/>
+  </p:clrMapOvr>
+</p:sld>
+</file>
+
+<file path=ppt/slides/slide7.xml><?xml version="1.0" encoding="utf-8"?>
+<p:sld xmlns:a="http://schemas.openxmlformats.org/drawingml/2006/main" xmlns:r="http://schemas.openxmlformats.org/officeDocument/2006/relationships" xmlns:p="http://schemas.openxmlformats.org/presentationml/2006/main">
+  <p:cSld>
+    <p:spTree>
+      <p:nvGrpSpPr>
+        <p:cNvPr id="1" name=""/>
+        <p:cNvGrpSpPr/>
+        <p:nvPr/>
+      </p:nvGrpSpPr>
+      <p:grpSpPr>
+        <a:xfrm>
+          <a:off x="0" y="0"/>
+          <a:ext cx="0" cy="0"/>
+          <a:chOff x="0" y="0"/>
+          <a:chExt cx="0" cy="0"/>
+        </a:xfrm>
+      </p:grpSpPr>
+      <p:sp>
+        <p:nvSpPr>
+          <p:cNvPr id="4" name="Title 3"/>
+          <p:cNvSpPr>
+            <a:spLocks noGrp="1"/>
+          </p:cNvSpPr>
+          <p:nvPr>
+            <p:ph type="title"/>
+          </p:nvPr>
+        </p:nvSpPr>
+        <p:spPr/>
+        <p:txBody>
           <a:bodyPr/>
           <a:lstStyle/>
           <a:p>
             <a:r>
               <a:rPr lang="pt-BR" dirty="0" smtClean="0"/>
+              <a:t>Orçamento</a:t>
+            </a:r>
+            <a:endParaRPr lang="en-US" dirty="0"/>
+          </a:p>
+        </p:txBody>
+      </p:sp>
+      <p:sp>
+        <p:nvSpPr>
+          <p:cNvPr id="2" name="Content Placeholder 1"/>
+          <p:cNvSpPr>
+            <a:spLocks noGrp="1"/>
+          </p:cNvSpPr>
+          <p:nvPr>
+            <p:ph idx="1"/>
+          </p:nvPr>
+        </p:nvSpPr>
+        <p:spPr>
+          <a:xfrm>
+            <a:off x="1154954" y="2892070"/>
+            <a:ext cx="8761413" cy="3416300"/>
+          </a:xfrm>
+        </p:spPr>
+        <p:txBody>
+          <a:bodyPr>
+            <a:normAutofit fontScale="92500" lnSpcReduction="20000"/>
+          </a:bodyPr>
+          <a:lstStyle/>
+          <a:p>
+            <a:r>
+              <a:rPr lang="pt-BR" dirty="0" smtClean="0"/>
               <a:t>North Virginia</a:t>
             </a:r>
           </a:p>
           <a:p>
             <a:pPr lvl="1"/>
             <a:r>
-              <a:rPr lang="pt-BR" dirty="0"/>
-              <a:t>Com 2 sub-redes públicas: U$17.73</a:t>
-            </a:r>
+              <a:rPr lang="pt-BR" sz="1700" dirty="0"/>
+              <a:t>No mês da Black Friday: </a:t>
+            </a:r>
+            <a:r>
+              <a:rPr lang="pt-BR" sz="1700" dirty="0" smtClean="0"/>
+              <a:t>U$84.13 </a:t>
+            </a:r>
+            <a:endParaRPr lang="en-US" sz="1700" dirty="0"/>
           </a:p>
           <a:p>
             <a:pPr lvl="1"/>
             <a:r>
-              <a:rPr lang="pt-BR" dirty="0"/>
-              <a:t>Com 2 sub-redes públicas, 2 sub-redes privadas e 2 NAT Gateways: U$81.41 </a:t>
-            </a:r>
-            <a:endParaRPr lang="en-US" dirty="0" smtClean="0"/>
-          </a:p>
-          <a:p>
-            <a:pPr marL="457200" lvl="1" indent="0">
-              <a:buNone/>
-            </a:pPr>
-            <a:endParaRPr lang="pt-BR" dirty="0" smtClean="0"/>
+              <a:rPr lang="pt-BR" sz="1700" dirty="0" smtClean="0"/>
+              <a:t>Após a Black Friday:</a:t>
+            </a:r>
+          </a:p>
+          <a:p>
+            <a:pPr lvl="2"/>
+            <a:r>
+              <a:rPr lang="pt-BR" sz="1700" dirty="0" smtClean="0"/>
+              <a:t>U$81.63 </a:t>
+            </a:r>
+            <a:r>
+              <a:rPr lang="pt-BR" sz="1700" dirty="0"/>
+              <a:t>mensal com free tier</a:t>
+            </a:r>
+          </a:p>
+          <a:p>
+            <a:pPr lvl="2"/>
+            <a:r>
+              <a:rPr lang="pt-BR" sz="1700" dirty="0" smtClean="0"/>
+              <a:t>U$98.10 </a:t>
+            </a:r>
+            <a:r>
+              <a:rPr lang="pt-BR" sz="1700" dirty="0"/>
+              <a:t>mensal sem free tier</a:t>
+            </a:r>
+            <a:endParaRPr lang="pt-BR" sz="1700" dirty="0" smtClean="0"/>
           </a:p>
           <a:p>
             <a:r>
@@ -14794,41 +14978,39 @@
           <a:p>
             <a:pPr lvl="1"/>
             <a:r>
-              <a:rPr lang="pt-BR" dirty="0"/>
-              <a:t>Com 2 sub-redes públicas: </a:t>
-            </a:r>
-            <a:r>
-              <a:rPr lang="pt-BR" dirty="0" smtClean="0"/>
-              <a:t>U$13.39</a:t>
+              <a:rPr lang="pt-BR" sz="1700" dirty="0" smtClean="0"/>
+              <a:t>No mês da Black Friday: U$149.98</a:t>
             </a:r>
           </a:p>
           <a:p>
             <a:pPr lvl="1"/>
             <a:r>
-              <a:rPr lang="pt-BR" dirty="0" smtClean="0"/>
-              <a:t>Com 2 </a:t>
-            </a:r>
-            <a:r>
-              <a:rPr lang="pt-BR" dirty="0"/>
-              <a:t>sub-redes </a:t>
-            </a:r>
-            <a:r>
-              <a:rPr lang="pt-BR" dirty="0" smtClean="0"/>
-              <a:t>públicas, </a:t>
-            </a:r>
-            <a:r>
-              <a:rPr lang="pt-BR" dirty="0"/>
-              <a:t>2 sub-redes privadas</a:t>
-            </a:r>
-            <a:r>
-              <a:rPr lang="pt-BR" dirty="0" smtClean="0"/>
-              <a:t> e 2 NAT Gateways</a:t>
-            </a:r>
-            <a:r>
-              <a:rPr lang="pt-BR"/>
-              <a:t>: U$145.01</a:t>
-            </a:r>
-            <a:endParaRPr lang="en-US" dirty="0"/>
+              <a:rPr lang="pt-BR" sz="1700" dirty="0"/>
+              <a:t>Após a Black Friday:</a:t>
+            </a:r>
+          </a:p>
+          <a:p>
+            <a:pPr lvl="2"/>
+            <a:r>
+              <a:rPr lang="pt-BR" sz="1700" dirty="0" smtClean="0"/>
+              <a:t>U$149.95 </a:t>
+            </a:r>
+            <a:r>
+              <a:rPr lang="pt-BR" sz="1700" dirty="0"/>
+              <a:t>mensal com free tier</a:t>
+            </a:r>
+          </a:p>
+          <a:p>
+            <a:pPr lvl="2"/>
+            <a:r>
+              <a:rPr lang="pt-BR" sz="1700" dirty="0" smtClean="0"/>
+              <a:t>U$188.79 </a:t>
+            </a:r>
+            <a:r>
+              <a:rPr lang="pt-BR" sz="1700" dirty="0"/>
+              <a:t>mensal sem free tier</a:t>
+            </a:r>
+            <a:endParaRPr lang="en-US" sz="1700" dirty="0"/>
           </a:p>
         </p:txBody>
       </p:sp>
@@ -14845,7 +15027,7 @@
 </p:sld>
 </file>
 
-<file path=ppt/slides/slide7.xml><?xml version="1.0" encoding="utf-8"?>
+<file path=ppt/slides/slide8.xml><?xml version="1.0" encoding="utf-8"?>
 <p:sld xmlns:a="http://schemas.openxmlformats.org/drawingml/2006/main" xmlns:r="http://schemas.openxmlformats.org/officeDocument/2006/relationships" xmlns:p="http://schemas.openxmlformats.org/presentationml/2006/main">
   <p:cSld>
     <p:spTree>
